--- a/presentaties/Workshop electronics & arduino.pptx
+++ b/presentaties/Workshop electronics & arduino.pptx
@@ -10,8 +10,11 @@
     <p:sldId id="258" r:id="rId4"/>
     <p:sldId id="259" r:id="rId5"/>
     <p:sldId id="262" r:id="rId6"/>
-    <p:sldId id="260" r:id="rId7"/>
-    <p:sldId id="261" r:id="rId8"/>
+    <p:sldId id="263" r:id="rId7"/>
+    <p:sldId id="264" r:id="rId8"/>
+    <p:sldId id="265" r:id="rId9"/>
+    <p:sldId id="266" r:id="rId10"/>
+    <p:sldId id="261" r:id="rId11"/>
   </p:sldIdLst>
   <p:sldSz cx="12192000" cy="6858000"/>
   <p:notesSz cx="6858000" cy="9144000"/>
@@ -110,6 +113,11 @@
       </a:defRPr>
     </a:lvl9pPr>
   </p:defaultTextStyle>
+  <p:extLst>
+    <p:ext uri="{EFAFB233-063F-42B5-8137-9DF3F51BA10A}">
+      <p15:sldGuideLst xmlns:p15="http://schemas.microsoft.com/office/powerpoint/2012/main"/>
+    </p:ext>
+  </p:extLst>
 </p:presentation>
 </file>
 
@@ -163,7 +171,7 @@
           <a:noFill/>
           <a:extLst>
             <a:ext uri="{909E8E84-426E-40dd-AFC4-6F175D3DCCD1}">
-              <a14:hiddenFill xmlns:a14="http://schemas.microsoft.com/office/drawing/2010/main" xmlns="">
+              <a14:hiddenFill xmlns="" xmlns:a14="http://schemas.microsoft.com/office/drawing/2010/main">
                 <a:solidFill>
                   <a:srgbClr val="FFFFFF"/>
                 </a:solidFill>
@@ -223,7 +231,7 @@
             </a:ln>
             <a:extLst>
               <a:ext uri="{91240B29-F687-4f45-9708-019B960494DF}">
-                <a14:hiddenLine xmlns:a14="http://schemas.microsoft.com/office/drawing/2010/main" xmlns="" w="9525">
+                <a14:hiddenLine xmlns="" xmlns:a14="http://schemas.microsoft.com/office/drawing/2010/main" w="9525">
                   <a:solidFill>
                     <a:srgbClr val="000000"/>
                   </a:solidFill>
@@ -313,7 +321,7 @@
             </a:ln>
             <a:extLst>
               <a:ext uri="{91240B29-F687-4f45-9708-019B960494DF}">
-                <a14:hiddenLine xmlns:a14="http://schemas.microsoft.com/office/drawing/2010/main" xmlns="" w="9525">
+                <a14:hiddenLine xmlns="" xmlns:a14="http://schemas.microsoft.com/office/drawing/2010/main" w="9525">
                   <a:solidFill>
                     <a:srgbClr val="000000"/>
                   </a:solidFill>
@@ -403,7 +411,7 @@
             </a:ln>
             <a:extLst>
               <a:ext uri="{91240B29-F687-4f45-9708-019B960494DF}">
-                <a14:hiddenLine xmlns:a14="http://schemas.microsoft.com/office/drawing/2010/main" xmlns="" w="9525">
+                <a14:hiddenLine xmlns="" xmlns:a14="http://schemas.microsoft.com/office/drawing/2010/main" w="9525">
                   <a:solidFill>
                     <a:srgbClr val="000000"/>
                   </a:solidFill>
@@ -437,7 +445,7 @@
             </a:ln>
             <a:extLst>
               <a:ext uri="{91240B29-F687-4f45-9708-019B960494DF}">
-                <a14:hiddenLine xmlns:a14="http://schemas.microsoft.com/office/drawing/2010/main" xmlns="" w="9525">
+                <a14:hiddenLine xmlns="" xmlns:a14="http://schemas.microsoft.com/office/drawing/2010/main" w="9525">
                   <a:solidFill>
                     <a:srgbClr val="000000"/>
                   </a:solidFill>
@@ -527,7 +535,7 @@
             </a:ln>
             <a:extLst>
               <a:ext uri="{91240B29-F687-4f45-9708-019B960494DF}">
-                <a14:hiddenLine xmlns:a14="http://schemas.microsoft.com/office/drawing/2010/main" xmlns="" w="9525">
+                <a14:hiddenLine xmlns="" xmlns:a14="http://schemas.microsoft.com/office/drawing/2010/main" w="9525">
                   <a:solidFill>
                     <a:srgbClr val="000000"/>
                   </a:solidFill>
@@ -589,7 +597,7 @@
             </a:ln>
             <a:extLst>
               <a:ext uri="{91240B29-F687-4f45-9708-019B960494DF}">
-                <a14:hiddenLine xmlns:a14="http://schemas.microsoft.com/office/drawing/2010/main" xmlns="" w="9525">
+                <a14:hiddenLine xmlns="" xmlns:a14="http://schemas.microsoft.com/office/drawing/2010/main" w="9525">
                   <a:solidFill>
                     <a:srgbClr val="000000"/>
                   </a:solidFill>
@@ -651,7 +659,7 @@
             </a:ln>
             <a:extLst>
               <a:ext uri="{91240B29-F687-4f45-9708-019B960494DF}">
-                <a14:hiddenLine xmlns:a14="http://schemas.microsoft.com/office/drawing/2010/main" xmlns="" w="9525">
+                <a14:hiddenLine xmlns="" xmlns:a14="http://schemas.microsoft.com/office/drawing/2010/main" w="9525">
                   <a:solidFill>
                     <a:srgbClr val="000000"/>
                   </a:solidFill>
@@ -741,7 +749,7 @@
             </a:ln>
             <a:extLst>
               <a:ext uri="{91240B29-F687-4f45-9708-019B960494DF}">
-                <a14:hiddenLine xmlns:a14="http://schemas.microsoft.com/office/drawing/2010/main" xmlns="" w="9525">
+                <a14:hiddenLine xmlns="" xmlns:a14="http://schemas.microsoft.com/office/drawing/2010/main" w="9525">
                   <a:solidFill>
                     <a:srgbClr val="000000"/>
                   </a:solidFill>
@@ -803,7 +811,7 @@
             </a:ln>
             <a:extLst>
               <a:ext uri="{91240B29-F687-4f45-9708-019B960494DF}">
-                <a14:hiddenLine xmlns:a14="http://schemas.microsoft.com/office/drawing/2010/main" xmlns="" w="9525">
+                <a14:hiddenLine xmlns="" xmlns:a14="http://schemas.microsoft.com/office/drawing/2010/main" w="9525">
                   <a:solidFill>
                     <a:srgbClr val="000000"/>
                   </a:solidFill>
@@ -865,7 +873,7 @@
             </a:ln>
             <a:extLst>
               <a:ext uri="{91240B29-F687-4f45-9708-019B960494DF}">
-                <a14:hiddenLine xmlns:a14="http://schemas.microsoft.com/office/drawing/2010/main" xmlns="" w="9525">
+                <a14:hiddenLine xmlns="" xmlns:a14="http://schemas.microsoft.com/office/drawing/2010/main" w="9525">
                   <a:solidFill>
                     <a:srgbClr val="000000"/>
                   </a:solidFill>
@@ -955,7 +963,7 @@
             </a:ln>
             <a:extLst>
               <a:ext uri="{91240B29-F687-4f45-9708-019B960494DF}">
-                <a14:hiddenLine xmlns:a14="http://schemas.microsoft.com/office/drawing/2010/main" xmlns="" w="9525">
+                <a14:hiddenLine xmlns="" xmlns:a14="http://schemas.microsoft.com/office/drawing/2010/main" w="9525">
                   <a:solidFill>
                     <a:srgbClr val="000000"/>
                   </a:solidFill>
@@ -1045,7 +1053,7 @@
             </a:ln>
             <a:extLst>
               <a:ext uri="{91240B29-F687-4f45-9708-019B960494DF}">
-                <a14:hiddenLine xmlns:a14="http://schemas.microsoft.com/office/drawing/2010/main" xmlns="" w="9525">
+                <a14:hiddenLine xmlns="" xmlns:a14="http://schemas.microsoft.com/office/drawing/2010/main" w="9525">
                   <a:solidFill>
                     <a:srgbClr val="000000"/>
                   </a:solidFill>
@@ -1107,7 +1115,7 @@
             </a:ln>
             <a:extLst>
               <a:ext uri="{91240B29-F687-4f45-9708-019B960494DF}">
-                <a14:hiddenLine xmlns:a14="http://schemas.microsoft.com/office/drawing/2010/main" xmlns="" w="9525">
+                <a14:hiddenLine xmlns="" xmlns:a14="http://schemas.microsoft.com/office/drawing/2010/main" w="9525">
                   <a:solidFill>
                     <a:srgbClr val="000000"/>
                   </a:solidFill>
@@ -1217,7 +1225,7 @@
             </a:ln>
             <a:extLst>
               <a:ext uri="{91240B29-F687-4f45-9708-019B960494DF}">
-                <a14:hiddenLine xmlns:a14="http://schemas.microsoft.com/office/drawing/2010/main" xmlns="" w="9525">
+                <a14:hiddenLine xmlns="" xmlns:a14="http://schemas.microsoft.com/office/drawing/2010/main" w="9525">
                   <a:solidFill>
                     <a:srgbClr val="000000"/>
                   </a:solidFill>
@@ -1279,7 +1287,7 @@
             </a:ln>
             <a:extLst>
               <a:ext uri="{91240B29-F687-4f45-9708-019B960494DF}">
-                <a14:hiddenLine xmlns:a14="http://schemas.microsoft.com/office/drawing/2010/main" xmlns="" w="9525">
+                <a14:hiddenLine xmlns="" xmlns:a14="http://schemas.microsoft.com/office/drawing/2010/main" w="9525">
                   <a:solidFill>
                     <a:srgbClr val="000000"/>
                   </a:solidFill>
@@ -1369,7 +1377,7 @@
             </a:ln>
             <a:extLst>
               <a:ext uri="{91240B29-F687-4f45-9708-019B960494DF}">
-                <a14:hiddenLine xmlns:a14="http://schemas.microsoft.com/office/drawing/2010/main" xmlns="" w="9525">
+                <a14:hiddenLine xmlns="" xmlns:a14="http://schemas.microsoft.com/office/drawing/2010/main" w="9525">
                   <a:solidFill>
                     <a:srgbClr val="000000"/>
                   </a:solidFill>
@@ -1459,7 +1467,7 @@
             </a:ln>
             <a:extLst>
               <a:ext uri="{91240B29-F687-4f45-9708-019B960494DF}">
-                <a14:hiddenLine xmlns:a14="http://schemas.microsoft.com/office/drawing/2010/main" xmlns="" w="9525">
+                <a14:hiddenLine xmlns="" xmlns:a14="http://schemas.microsoft.com/office/drawing/2010/main" w="9525">
                   <a:solidFill>
                     <a:srgbClr val="000000"/>
                   </a:solidFill>
@@ -1521,7 +1529,7 @@
             </a:ln>
             <a:extLst>
               <a:ext uri="{91240B29-F687-4f45-9708-019B960494DF}">
-                <a14:hiddenLine xmlns:a14="http://schemas.microsoft.com/office/drawing/2010/main" xmlns="" w="9525">
+                <a14:hiddenLine xmlns="" xmlns:a14="http://schemas.microsoft.com/office/drawing/2010/main" w="9525">
                   <a:solidFill>
                     <a:srgbClr val="000000"/>
                   </a:solidFill>
@@ -1611,7 +1619,7 @@
             </a:ln>
             <a:extLst>
               <a:ext uri="{91240B29-F687-4f45-9708-019B960494DF}">
-                <a14:hiddenLine xmlns:a14="http://schemas.microsoft.com/office/drawing/2010/main" xmlns="" w="9525">
+                <a14:hiddenLine xmlns="" xmlns:a14="http://schemas.microsoft.com/office/drawing/2010/main" w="9525">
                   <a:solidFill>
                     <a:srgbClr val="000000"/>
                   </a:solidFill>
@@ -1701,7 +1709,7 @@
             </a:ln>
             <a:extLst>
               <a:ext uri="{91240B29-F687-4f45-9708-019B960494DF}">
-                <a14:hiddenLine xmlns:a14="http://schemas.microsoft.com/office/drawing/2010/main" xmlns="" w="9525">
+                <a14:hiddenLine xmlns="" xmlns:a14="http://schemas.microsoft.com/office/drawing/2010/main" w="9525">
                   <a:solidFill>
                     <a:srgbClr val="000000"/>
                   </a:solidFill>
@@ -1757,7 +1765,7 @@
             </a:ln>
             <a:extLst>
               <a:ext uri="{91240B29-F687-4f45-9708-019B960494DF}">
-                <a14:hiddenLine xmlns:a14="http://schemas.microsoft.com/office/drawing/2010/main" xmlns="" w="9525">
+                <a14:hiddenLine xmlns="" xmlns:a14="http://schemas.microsoft.com/office/drawing/2010/main" w="9525">
                   <a:solidFill>
                     <a:srgbClr val="000000"/>
                   </a:solidFill>
@@ -1847,7 +1855,7 @@
             </a:ln>
             <a:extLst>
               <a:ext uri="{91240B29-F687-4f45-9708-019B960494DF}">
-                <a14:hiddenLine xmlns:a14="http://schemas.microsoft.com/office/drawing/2010/main" xmlns="" w="9525">
+                <a14:hiddenLine xmlns="" xmlns:a14="http://schemas.microsoft.com/office/drawing/2010/main" w="9525">
                   <a:solidFill>
                     <a:srgbClr val="000000"/>
                   </a:solidFill>
@@ -1903,7 +1911,7 @@
             </a:ln>
             <a:extLst>
               <a:ext uri="{91240B29-F687-4f45-9708-019B960494DF}">
-                <a14:hiddenLine xmlns:a14="http://schemas.microsoft.com/office/drawing/2010/main" xmlns="" w="9525">
+                <a14:hiddenLine xmlns="" xmlns:a14="http://schemas.microsoft.com/office/drawing/2010/main" w="9525">
                   <a:solidFill>
                     <a:srgbClr val="000000"/>
                   </a:solidFill>
@@ -1993,7 +2001,7 @@
             </a:ln>
             <a:extLst>
               <a:ext uri="{91240B29-F687-4f45-9708-019B960494DF}">
-                <a14:hiddenLine xmlns:a14="http://schemas.microsoft.com/office/drawing/2010/main" xmlns="" w="9525">
+                <a14:hiddenLine xmlns="" xmlns:a14="http://schemas.microsoft.com/office/drawing/2010/main" w="9525">
                   <a:solidFill>
                     <a:srgbClr val="000000"/>
                   </a:solidFill>
@@ -2061,7 +2069,7 @@
             </a:ln>
             <a:extLst>
               <a:ext uri="{91240B29-F687-4f45-9708-019B960494DF}">
-                <a14:hiddenLine xmlns:a14="http://schemas.microsoft.com/office/drawing/2010/main" xmlns="" w="9525">
+                <a14:hiddenLine xmlns="" xmlns:a14="http://schemas.microsoft.com/office/drawing/2010/main" w="9525">
                   <a:solidFill>
                     <a:srgbClr val="000000"/>
                   </a:solidFill>
@@ -2151,7 +2159,7 @@
             </a:ln>
             <a:extLst>
               <a:ext uri="{91240B29-F687-4f45-9708-019B960494DF}">
-                <a14:hiddenLine xmlns:a14="http://schemas.microsoft.com/office/drawing/2010/main" xmlns="" w="9525">
+                <a14:hiddenLine xmlns="" xmlns:a14="http://schemas.microsoft.com/office/drawing/2010/main" w="9525">
                   <a:solidFill>
                     <a:srgbClr val="000000"/>
                   </a:solidFill>
@@ -2219,7 +2227,7 @@
             </a:ln>
             <a:extLst>
               <a:ext uri="{91240B29-F687-4f45-9708-019B960494DF}">
-                <a14:hiddenLine xmlns:a14="http://schemas.microsoft.com/office/drawing/2010/main" xmlns="" w="9525">
+                <a14:hiddenLine xmlns="" xmlns:a14="http://schemas.microsoft.com/office/drawing/2010/main" w="9525">
                   <a:solidFill>
                     <a:srgbClr val="000000"/>
                   </a:solidFill>
@@ -2309,7 +2317,7 @@
             </a:ln>
             <a:extLst>
               <a:ext uri="{91240B29-F687-4f45-9708-019B960494DF}">
-                <a14:hiddenLine xmlns:a14="http://schemas.microsoft.com/office/drawing/2010/main" xmlns="" w="9525">
+                <a14:hiddenLine xmlns="" xmlns:a14="http://schemas.microsoft.com/office/drawing/2010/main" w="9525">
                   <a:solidFill>
                     <a:srgbClr val="000000"/>
                   </a:solidFill>
@@ -2343,7 +2351,7 @@
             </a:ln>
             <a:extLst>
               <a:ext uri="{91240B29-F687-4f45-9708-019B960494DF}">
-                <a14:hiddenLine xmlns:a14="http://schemas.microsoft.com/office/drawing/2010/main" xmlns="" w="9525">
+                <a14:hiddenLine xmlns="" xmlns:a14="http://schemas.microsoft.com/office/drawing/2010/main" w="9525">
                   <a:solidFill>
                     <a:srgbClr val="000000"/>
                   </a:solidFill>
@@ -2433,7 +2441,7 @@
             </a:ln>
             <a:extLst>
               <a:ext uri="{91240B29-F687-4f45-9708-019B960494DF}">
-                <a14:hiddenLine xmlns:a14="http://schemas.microsoft.com/office/drawing/2010/main" xmlns="" w="9525">
+                <a14:hiddenLine xmlns="" xmlns:a14="http://schemas.microsoft.com/office/drawing/2010/main" w="9525">
                   <a:solidFill>
                     <a:srgbClr val="000000"/>
                   </a:solidFill>
@@ -2495,7 +2503,7 @@
             </a:ln>
             <a:extLst>
               <a:ext uri="{91240B29-F687-4f45-9708-019B960494DF}">
-                <a14:hiddenLine xmlns:a14="http://schemas.microsoft.com/office/drawing/2010/main" xmlns="" w="9525">
+                <a14:hiddenLine xmlns="" xmlns:a14="http://schemas.microsoft.com/office/drawing/2010/main" w="9525">
                   <a:solidFill>
                     <a:srgbClr val="000000"/>
                   </a:solidFill>
@@ -2557,7 +2565,7 @@
             </a:ln>
             <a:extLst>
               <a:ext uri="{91240B29-F687-4f45-9708-019B960494DF}">
-                <a14:hiddenLine xmlns:a14="http://schemas.microsoft.com/office/drawing/2010/main" xmlns="" w="9525">
+                <a14:hiddenLine xmlns="" xmlns:a14="http://schemas.microsoft.com/office/drawing/2010/main" w="9525">
                   <a:solidFill>
                     <a:srgbClr val="000000"/>
                   </a:solidFill>
@@ -2647,7 +2655,7 @@
             </a:ln>
             <a:extLst>
               <a:ext uri="{91240B29-F687-4f45-9708-019B960494DF}">
-                <a14:hiddenLine xmlns:a14="http://schemas.microsoft.com/office/drawing/2010/main" xmlns="" w="9525">
+                <a14:hiddenLine xmlns="" xmlns:a14="http://schemas.microsoft.com/office/drawing/2010/main" w="9525">
                   <a:solidFill>
                     <a:srgbClr val="000000"/>
                   </a:solidFill>
@@ -2715,7 +2723,7 @@
             </a:ln>
             <a:extLst>
               <a:ext uri="{91240B29-F687-4f45-9708-019B960494DF}">
-                <a14:hiddenLine xmlns:a14="http://schemas.microsoft.com/office/drawing/2010/main" xmlns="" w="9525">
+                <a14:hiddenLine xmlns="" xmlns:a14="http://schemas.microsoft.com/office/drawing/2010/main" w="9525">
                   <a:solidFill>
                     <a:srgbClr val="000000"/>
                   </a:solidFill>
@@ -2777,7 +2785,7 @@
             </a:ln>
             <a:extLst>
               <a:ext uri="{91240B29-F687-4f45-9708-019B960494DF}">
-                <a14:hiddenLine xmlns:a14="http://schemas.microsoft.com/office/drawing/2010/main" xmlns="" w="9525">
+                <a14:hiddenLine xmlns="" xmlns:a14="http://schemas.microsoft.com/office/drawing/2010/main" w="9525">
                   <a:solidFill>
                     <a:srgbClr val="000000"/>
                   </a:solidFill>
@@ -2867,7 +2875,7 @@
             </a:ln>
             <a:extLst>
               <a:ext uri="{91240B29-F687-4f45-9708-019B960494DF}">
-                <a14:hiddenLine xmlns:a14="http://schemas.microsoft.com/office/drawing/2010/main" xmlns="" w="9525">
+                <a14:hiddenLine xmlns="" xmlns:a14="http://schemas.microsoft.com/office/drawing/2010/main" w="9525">
                   <a:solidFill>
                     <a:srgbClr val="000000"/>
                   </a:solidFill>
@@ -2929,7 +2937,7 @@
             </a:ln>
             <a:extLst>
               <a:ext uri="{91240B29-F687-4f45-9708-019B960494DF}">
-                <a14:hiddenLine xmlns:a14="http://schemas.microsoft.com/office/drawing/2010/main" xmlns="" w="9525">
+                <a14:hiddenLine xmlns="" xmlns:a14="http://schemas.microsoft.com/office/drawing/2010/main" w="9525">
                   <a:solidFill>
                     <a:srgbClr val="000000"/>
                   </a:solidFill>
@@ -3019,7 +3027,7 @@
             </a:ln>
             <a:extLst>
               <a:ext uri="{91240B29-F687-4f45-9708-019B960494DF}">
-                <a14:hiddenLine xmlns:a14="http://schemas.microsoft.com/office/drawing/2010/main" xmlns="" w="9525">
+                <a14:hiddenLine xmlns="" xmlns:a14="http://schemas.microsoft.com/office/drawing/2010/main" w="9525">
                   <a:solidFill>
                     <a:srgbClr val="000000"/>
                   </a:solidFill>
@@ -3081,7 +3089,7 @@
             </a:ln>
             <a:extLst>
               <a:ext uri="{91240B29-F687-4f45-9708-019B960494DF}">
-                <a14:hiddenLine xmlns:a14="http://schemas.microsoft.com/office/drawing/2010/main" xmlns="" w="9525">
+                <a14:hiddenLine xmlns="" xmlns:a14="http://schemas.microsoft.com/office/drawing/2010/main" w="9525">
                   <a:solidFill>
                     <a:srgbClr val="000000"/>
                   </a:solidFill>
@@ -3171,7 +3179,7 @@
             </a:ln>
             <a:extLst>
               <a:ext uri="{91240B29-F687-4f45-9708-019B960494DF}">
-                <a14:hiddenLine xmlns:a14="http://schemas.microsoft.com/office/drawing/2010/main" xmlns="" w="9525">
+                <a14:hiddenLine xmlns="" xmlns:a14="http://schemas.microsoft.com/office/drawing/2010/main" w="9525">
                   <a:solidFill>
                     <a:srgbClr val="000000"/>
                   </a:solidFill>
@@ -3205,7 +3213,7 @@
             </a:ln>
             <a:extLst>
               <a:ext uri="{91240B29-F687-4f45-9708-019B960494DF}">
-                <a14:hiddenLine xmlns:a14="http://schemas.microsoft.com/office/drawing/2010/main" xmlns="" w="9525">
+                <a14:hiddenLine xmlns="" xmlns:a14="http://schemas.microsoft.com/office/drawing/2010/main" w="9525">
                   <a:solidFill>
                     <a:srgbClr val="000000"/>
                   </a:solidFill>
@@ -3270,7 +3278,7 @@
             </a:ln>
             <a:extLst>
               <a:ext uri="{91240B29-F687-4f45-9708-019B960494DF}">
-                <a14:hiddenLine xmlns:a14="http://schemas.microsoft.com/office/drawing/2010/main" xmlns="" w="9525">
+                <a14:hiddenLine xmlns="" xmlns:a14="http://schemas.microsoft.com/office/drawing/2010/main" w="9525">
                   <a:solidFill>
                     <a:srgbClr val="000000"/>
                   </a:solidFill>
@@ -3360,7 +3368,7 @@
             </a:ln>
             <a:extLst>
               <a:ext uri="{91240B29-F687-4f45-9708-019B960494DF}">
-                <a14:hiddenLine xmlns:a14="http://schemas.microsoft.com/office/drawing/2010/main" xmlns="" w="9525">
+                <a14:hiddenLine xmlns="" xmlns:a14="http://schemas.microsoft.com/office/drawing/2010/main" w="9525">
                   <a:solidFill>
                     <a:srgbClr val="000000"/>
                   </a:solidFill>
@@ -3422,7 +3430,7 @@
             </a:ln>
             <a:extLst>
               <a:ext uri="{91240B29-F687-4f45-9708-019B960494DF}">
-                <a14:hiddenLine xmlns:a14="http://schemas.microsoft.com/office/drawing/2010/main" xmlns="" w="9525">
+                <a14:hiddenLine xmlns="" xmlns:a14="http://schemas.microsoft.com/office/drawing/2010/main" w="9525">
                   <a:solidFill>
                     <a:srgbClr val="000000"/>
                   </a:solidFill>
@@ -3512,7 +3520,7 @@
             </a:ln>
             <a:extLst>
               <a:ext uri="{91240B29-F687-4f45-9708-019B960494DF}">
-                <a14:hiddenLine xmlns:a14="http://schemas.microsoft.com/office/drawing/2010/main" xmlns="" w="9525">
+                <a14:hiddenLine xmlns="" xmlns:a14="http://schemas.microsoft.com/office/drawing/2010/main" w="9525">
                   <a:solidFill>
                     <a:srgbClr val="000000"/>
                   </a:solidFill>
@@ -3602,7 +3610,7 @@
             </a:ln>
             <a:extLst>
               <a:ext uri="{91240B29-F687-4f45-9708-019B960494DF}">
-                <a14:hiddenLine xmlns:a14="http://schemas.microsoft.com/office/drawing/2010/main" xmlns="" w="9525">
+                <a14:hiddenLine xmlns="" xmlns:a14="http://schemas.microsoft.com/office/drawing/2010/main" w="9525">
                   <a:solidFill>
                     <a:srgbClr val="000000"/>
                   </a:solidFill>
@@ -3667,7 +3675,7 @@
             </a:ln>
             <a:extLst>
               <a:ext uri="{91240B29-F687-4f45-9708-019B960494DF}">
-                <a14:hiddenLine xmlns:a14="http://schemas.microsoft.com/office/drawing/2010/main" xmlns="" w="9525">
+                <a14:hiddenLine xmlns="" xmlns:a14="http://schemas.microsoft.com/office/drawing/2010/main" w="9525">
                   <a:solidFill>
                     <a:srgbClr val="000000"/>
                   </a:solidFill>
@@ -3729,7 +3737,7 @@
             </a:ln>
             <a:extLst>
               <a:ext uri="{91240B29-F687-4f45-9708-019B960494DF}">
-                <a14:hiddenLine xmlns:a14="http://schemas.microsoft.com/office/drawing/2010/main" xmlns="" w="9525">
+                <a14:hiddenLine xmlns="" xmlns:a14="http://schemas.microsoft.com/office/drawing/2010/main" w="9525">
                   <a:solidFill>
                     <a:srgbClr val="000000"/>
                   </a:solidFill>
@@ -3819,7 +3827,7 @@
             </a:ln>
             <a:extLst>
               <a:ext uri="{91240B29-F687-4f45-9708-019B960494DF}">
-                <a14:hiddenLine xmlns:a14="http://schemas.microsoft.com/office/drawing/2010/main" xmlns="" w="9525">
+                <a14:hiddenLine xmlns="" xmlns:a14="http://schemas.microsoft.com/office/drawing/2010/main" w="9525">
                   <a:solidFill>
                     <a:srgbClr val="000000"/>
                   </a:solidFill>
@@ -3909,7 +3917,7 @@
             </a:ln>
             <a:extLst>
               <a:ext uri="{91240B29-F687-4f45-9708-019B960494DF}">
-                <a14:hiddenLine xmlns:a14="http://schemas.microsoft.com/office/drawing/2010/main" xmlns="" w="9525">
+                <a14:hiddenLine xmlns="" xmlns:a14="http://schemas.microsoft.com/office/drawing/2010/main" w="9525">
                   <a:solidFill>
                     <a:srgbClr val="000000"/>
                   </a:solidFill>
@@ -3971,7 +3979,7 @@
             </a:ln>
             <a:extLst>
               <a:ext uri="{91240B29-F687-4f45-9708-019B960494DF}">
-                <a14:hiddenLine xmlns:a14="http://schemas.microsoft.com/office/drawing/2010/main" xmlns="" w="9525">
+                <a14:hiddenLine xmlns="" xmlns:a14="http://schemas.microsoft.com/office/drawing/2010/main" w="9525">
                   <a:solidFill>
                     <a:srgbClr val="000000"/>
                   </a:solidFill>
@@ -4091,7 +4099,7 @@
             </a:ln>
             <a:extLst>
               <a:ext uri="{91240B29-F687-4f45-9708-019B960494DF}">
-                <a14:hiddenLine xmlns:a14="http://schemas.microsoft.com/office/drawing/2010/main" xmlns="" w="9525">
+                <a14:hiddenLine xmlns="" xmlns:a14="http://schemas.microsoft.com/office/drawing/2010/main" w="9525">
                   <a:solidFill>
                     <a:srgbClr val="000000"/>
                   </a:solidFill>
@@ -4159,7 +4167,7 @@
             </a:ln>
             <a:extLst>
               <a:ext uri="{91240B29-F687-4f45-9708-019B960494DF}">
-                <a14:hiddenLine xmlns:a14="http://schemas.microsoft.com/office/drawing/2010/main" xmlns="" w="9525">
+                <a14:hiddenLine xmlns="" xmlns:a14="http://schemas.microsoft.com/office/drawing/2010/main" w="9525">
                   <a:solidFill>
                     <a:srgbClr val="000000"/>
                   </a:solidFill>
@@ -4249,7 +4257,7 @@
             </a:ln>
             <a:extLst>
               <a:ext uri="{91240B29-F687-4f45-9708-019B960494DF}">
-                <a14:hiddenLine xmlns:a14="http://schemas.microsoft.com/office/drawing/2010/main" xmlns="" w="9525">
+                <a14:hiddenLine xmlns="" xmlns:a14="http://schemas.microsoft.com/office/drawing/2010/main" w="9525">
                   <a:solidFill>
                     <a:srgbClr val="000000"/>
                   </a:solidFill>
@@ -4389,7 +4397,7 @@
           <a:p>
             <a:fld id="{48A87A34-81AB-432B-8DAE-1953F412C126}" type="datetimeFigureOut">
               <a:rPr lang="en-US" dirty="0"/>
-              <a:t>1/13/2015</a:t>
+              <a:t>1/18/2015</a:t>
             </a:fld>
             <a:endParaRPr lang="en-US" dirty="0"/>
           </a:p>
@@ -4651,7 +4659,7 @@
           <a:p>
             <a:fld id="{48A87A34-81AB-432B-8DAE-1953F412C126}" type="datetimeFigureOut">
               <a:rPr lang="en-US" dirty="0"/>
-              <a:t>1/13/2015</a:t>
+              <a:t>1/18/2015</a:t>
             </a:fld>
             <a:endParaRPr lang="en-US" dirty="0"/>
           </a:p>
@@ -4842,7 +4850,7 @@
           <a:p>
             <a:fld id="{48A87A34-81AB-432B-8DAE-1953F412C126}" type="datetimeFigureOut">
               <a:rPr lang="en-US" dirty="0"/>
-              <a:t>1/13/2015</a:t>
+              <a:t>1/18/2015</a:t>
             </a:fld>
             <a:endParaRPr lang="en-US" dirty="0"/>
           </a:p>
@@ -5100,7 +5108,7 @@
           <a:p>
             <a:fld id="{48A87A34-81AB-432B-8DAE-1953F412C126}" type="datetimeFigureOut">
               <a:rPr lang="en-US" dirty="0"/>
-              <a:t>1/13/2015</a:t>
+              <a:t>1/18/2015</a:t>
             </a:fld>
             <a:endParaRPr lang="en-US" dirty="0"/>
           </a:p>
@@ -5529,7 +5537,7 @@
           <a:p>
             <a:fld id="{48A87A34-81AB-432B-8DAE-1953F412C126}" type="datetimeFigureOut">
               <a:rPr lang="en-US" dirty="0"/>
-              <a:t>1/13/2015</a:t>
+              <a:t>1/18/2015</a:t>
             </a:fld>
             <a:endParaRPr lang="en-US" dirty="0"/>
           </a:p>
@@ -6070,7 +6078,7 @@
           <a:p>
             <a:fld id="{48A87A34-81AB-432B-8DAE-1953F412C126}" type="datetimeFigureOut">
               <a:rPr lang="en-US" dirty="0"/>
-              <a:t>1/13/2015</a:t>
+              <a:t>1/18/2015</a:t>
             </a:fld>
             <a:endParaRPr lang="en-US" dirty="0"/>
           </a:p>
@@ -6785,7 +6793,7 @@
           <a:p>
             <a:fld id="{48A87A34-81AB-432B-8DAE-1953F412C126}" type="datetimeFigureOut">
               <a:rPr lang="en-US" dirty="0"/>
-              <a:t>1/13/2015</a:t>
+              <a:t>1/18/2015</a:t>
             </a:fld>
             <a:endParaRPr lang="en-US" dirty="0"/>
           </a:p>
@@ -6950,7 +6958,7 @@
           <a:p>
             <a:fld id="{48A87A34-81AB-432B-8DAE-1953F412C126}" type="datetimeFigureOut">
               <a:rPr lang="en-US" dirty="0"/>
-              <a:t>1/13/2015</a:t>
+              <a:t>1/18/2015</a:t>
             </a:fld>
             <a:endParaRPr lang="en-US" dirty="0"/>
           </a:p>
@@ -7125,7 +7133,7 @@
           <a:p>
             <a:fld id="{48A87A34-81AB-432B-8DAE-1953F412C126}" type="datetimeFigureOut">
               <a:rPr lang="en-US" dirty="0"/>
-              <a:t>1/13/2015</a:t>
+              <a:t>1/18/2015</a:t>
             </a:fld>
             <a:endParaRPr lang="en-US" dirty="0"/>
           </a:p>
@@ -7290,7 +7298,7 @@
           <a:p>
             <a:fld id="{48A87A34-81AB-432B-8DAE-1953F412C126}" type="datetimeFigureOut">
               <a:rPr lang="en-US" dirty="0"/>
-              <a:t>1/13/2015</a:t>
+              <a:t>1/18/2015</a:t>
             </a:fld>
             <a:endParaRPr lang="en-US" dirty="0"/>
           </a:p>
@@ -7535,7 +7543,7 @@
           <a:p>
             <a:fld id="{48A87A34-81AB-432B-8DAE-1953F412C126}" type="datetimeFigureOut">
               <a:rPr lang="en-US" dirty="0"/>
-              <a:t>1/13/2015</a:t>
+              <a:t>1/18/2015</a:t>
             </a:fld>
             <a:endParaRPr lang="en-US" dirty="0"/>
           </a:p>
@@ -7762,7 +7770,7 @@
           <a:p>
             <a:fld id="{48A87A34-81AB-432B-8DAE-1953F412C126}" type="datetimeFigureOut">
               <a:rPr lang="en-US" dirty="0"/>
-              <a:t>1/13/2015</a:t>
+              <a:t>1/18/2015</a:t>
             </a:fld>
             <a:endParaRPr lang="en-US" dirty="0"/>
           </a:p>
@@ -8138,7 +8146,7 @@
           <a:p>
             <a:fld id="{48A87A34-81AB-432B-8DAE-1953F412C126}" type="datetimeFigureOut">
               <a:rPr lang="en-US" dirty="0"/>
-              <a:t>1/13/2015</a:t>
+              <a:t>1/18/2015</a:t>
             </a:fld>
             <a:endParaRPr lang="en-US" dirty="0"/>
           </a:p>
@@ -8251,7 +8259,7 @@
           <a:p>
             <a:fld id="{48A87A34-81AB-432B-8DAE-1953F412C126}" type="datetimeFigureOut">
               <a:rPr lang="en-US" dirty="0"/>
-              <a:t>1/13/2015</a:t>
+              <a:t>1/18/2015</a:t>
             </a:fld>
             <a:endParaRPr lang="en-US" dirty="0"/>
           </a:p>
@@ -8341,7 +8349,7 @@
           <a:p>
             <a:fld id="{48A87A34-81AB-432B-8DAE-1953F412C126}" type="datetimeFigureOut">
               <a:rPr lang="en-US" dirty="0"/>
-              <a:t>1/13/2015</a:t>
+              <a:t>1/18/2015</a:t>
             </a:fld>
             <a:endParaRPr lang="en-US" dirty="0"/>
           </a:p>
@@ -8585,7 +8593,7 @@
           <a:p>
             <a:fld id="{48A87A34-81AB-432B-8DAE-1953F412C126}" type="datetimeFigureOut">
               <a:rPr lang="en-US" dirty="0"/>
-              <a:t>1/13/2015</a:t>
+              <a:t>1/18/2015</a:t>
             </a:fld>
             <a:endParaRPr lang="en-US" dirty="0"/>
           </a:p>
@@ -8860,7 +8868,7 @@
           <a:p>
             <a:fld id="{48A87A34-81AB-432B-8DAE-1953F412C126}" type="datetimeFigureOut">
               <a:rPr lang="en-US" dirty="0"/>
-              <a:t>1/13/2015</a:t>
+              <a:t>1/18/2015</a:t>
             </a:fld>
             <a:endParaRPr lang="en-US" dirty="0"/>
           </a:p>
@@ -8971,7 +8979,7 @@
           <a:noFill/>
           <a:extLst>
             <a:ext uri="{909E8E84-426E-40dd-AFC4-6F175D3DCCD1}">
-              <a14:hiddenFill xmlns:a14="http://schemas.microsoft.com/office/drawing/2010/main" xmlns="">
+              <a14:hiddenFill xmlns="" xmlns:a14="http://schemas.microsoft.com/office/drawing/2010/main">
                 <a:solidFill>
                   <a:srgbClr val="FFFFFF"/>
                 </a:solidFill>
@@ -9045,7 +9053,7 @@
               </a:ln>
               <a:extLst>
                 <a:ext uri="{91240B29-F687-4f45-9708-019B960494DF}">
-                  <a14:hiddenLine xmlns:a14="http://schemas.microsoft.com/office/drawing/2010/main" xmlns="" w="9525">
+                  <a14:hiddenLine xmlns="" xmlns:a14="http://schemas.microsoft.com/office/drawing/2010/main" w="9525">
                     <a:solidFill>
                       <a:srgbClr val="000000"/>
                     </a:solidFill>
@@ -9135,7 +9143,7 @@
               </a:ln>
               <a:extLst>
                 <a:ext uri="{91240B29-F687-4f45-9708-019B960494DF}">
-                  <a14:hiddenLine xmlns:a14="http://schemas.microsoft.com/office/drawing/2010/main" xmlns="" w="9525">
+                  <a14:hiddenLine xmlns="" xmlns:a14="http://schemas.microsoft.com/office/drawing/2010/main" w="9525">
                     <a:solidFill>
                       <a:srgbClr val="000000"/>
                     </a:solidFill>
@@ -9225,7 +9233,7 @@
               </a:ln>
               <a:extLst>
                 <a:ext uri="{91240B29-F687-4f45-9708-019B960494DF}">
-                  <a14:hiddenLine xmlns:a14="http://schemas.microsoft.com/office/drawing/2010/main" xmlns="" w="9525">
+                  <a14:hiddenLine xmlns="" xmlns:a14="http://schemas.microsoft.com/office/drawing/2010/main" w="9525">
                     <a:solidFill>
                       <a:srgbClr val="000000"/>
                     </a:solidFill>
@@ -9287,7 +9295,7 @@
               </a:ln>
               <a:extLst>
                 <a:ext uri="{91240B29-F687-4f45-9708-019B960494DF}">
-                  <a14:hiddenLine xmlns:a14="http://schemas.microsoft.com/office/drawing/2010/main" xmlns="" w="9525">
+                  <a14:hiddenLine xmlns="" xmlns:a14="http://schemas.microsoft.com/office/drawing/2010/main" w="9525">
                     <a:solidFill>
                       <a:srgbClr val="000000"/>
                     </a:solidFill>
@@ -9377,7 +9385,7 @@
               </a:ln>
               <a:extLst>
                 <a:ext uri="{91240B29-F687-4f45-9708-019B960494DF}">
-                  <a14:hiddenLine xmlns:a14="http://schemas.microsoft.com/office/drawing/2010/main" xmlns="" w="9525">
+                  <a14:hiddenLine xmlns="" xmlns:a14="http://schemas.microsoft.com/office/drawing/2010/main" w="9525">
                     <a:solidFill>
                       <a:srgbClr val="000000"/>
                     </a:solidFill>
@@ -9439,7 +9447,7 @@
               </a:ln>
               <a:extLst>
                 <a:ext uri="{91240B29-F687-4f45-9708-019B960494DF}">
-                  <a14:hiddenLine xmlns:a14="http://schemas.microsoft.com/office/drawing/2010/main" xmlns="" w="9525">
+                  <a14:hiddenLine xmlns="" xmlns:a14="http://schemas.microsoft.com/office/drawing/2010/main" w="9525">
                     <a:solidFill>
                       <a:srgbClr val="000000"/>
                     </a:solidFill>
@@ -9501,7 +9509,7 @@
               </a:ln>
               <a:extLst>
                 <a:ext uri="{91240B29-F687-4f45-9708-019B960494DF}">
-                  <a14:hiddenLine xmlns:a14="http://schemas.microsoft.com/office/drawing/2010/main" xmlns="" w="9525">
+                  <a14:hiddenLine xmlns="" xmlns:a14="http://schemas.microsoft.com/office/drawing/2010/main" w="9525">
                     <a:solidFill>
                       <a:srgbClr val="000000"/>
                     </a:solidFill>
@@ -9591,7 +9599,7 @@
               </a:ln>
               <a:extLst>
                 <a:ext uri="{91240B29-F687-4f45-9708-019B960494DF}">
-                  <a14:hiddenLine xmlns:a14="http://schemas.microsoft.com/office/drawing/2010/main" xmlns="" w="9525">
+                  <a14:hiddenLine xmlns="" xmlns:a14="http://schemas.microsoft.com/office/drawing/2010/main" w="9525">
                     <a:solidFill>
                       <a:srgbClr val="000000"/>
                     </a:solidFill>
@@ -9681,7 +9689,7 @@
               </a:ln>
               <a:extLst>
                 <a:ext uri="{91240B29-F687-4f45-9708-019B960494DF}">
-                  <a14:hiddenLine xmlns:a14="http://schemas.microsoft.com/office/drawing/2010/main" xmlns="" w="9525">
+                  <a14:hiddenLine xmlns="" xmlns:a14="http://schemas.microsoft.com/office/drawing/2010/main" w="9525">
                     <a:solidFill>
                       <a:srgbClr val="000000"/>
                     </a:solidFill>
@@ -9743,7 +9751,7 @@
               </a:ln>
               <a:extLst>
                 <a:ext uri="{91240B29-F687-4f45-9708-019B960494DF}">
-                  <a14:hiddenLine xmlns:a14="http://schemas.microsoft.com/office/drawing/2010/main" xmlns="" w="9525">
+                  <a14:hiddenLine xmlns="" xmlns:a14="http://schemas.microsoft.com/office/drawing/2010/main" w="9525">
                     <a:solidFill>
                       <a:srgbClr val="000000"/>
                     </a:solidFill>
@@ -9853,7 +9861,7 @@
               </a:ln>
               <a:extLst>
                 <a:ext uri="{91240B29-F687-4f45-9708-019B960494DF}">
-                  <a14:hiddenLine xmlns:a14="http://schemas.microsoft.com/office/drawing/2010/main" xmlns="" w="9525">
+                  <a14:hiddenLine xmlns="" xmlns:a14="http://schemas.microsoft.com/office/drawing/2010/main" w="9525">
                     <a:solidFill>
                       <a:srgbClr val="000000"/>
                     </a:solidFill>
@@ -9937,7 +9945,7 @@
               </a:ln>
               <a:extLst>
                 <a:ext uri="{91240B29-F687-4f45-9708-019B960494DF}">
-                  <a14:hiddenLine xmlns:a14="http://schemas.microsoft.com/office/drawing/2010/main" xmlns="" w="9525">
+                  <a14:hiddenLine xmlns="" xmlns:a14="http://schemas.microsoft.com/office/drawing/2010/main" w="9525">
                     <a:solidFill>
                       <a:srgbClr val="000000"/>
                     </a:solidFill>
@@ -9999,7 +10007,7 @@
               </a:ln>
               <a:extLst>
                 <a:ext uri="{91240B29-F687-4f45-9708-019B960494DF}">
-                  <a14:hiddenLine xmlns:a14="http://schemas.microsoft.com/office/drawing/2010/main" xmlns="" w="9525">
+                  <a14:hiddenLine xmlns="" xmlns:a14="http://schemas.microsoft.com/office/drawing/2010/main" w="9525">
                     <a:solidFill>
                       <a:srgbClr val="000000"/>
                     </a:solidFill>
@@ -10061,7 +10069,7 @@
               </a:ln>
               <a:extLst>
                 <a:ext uri="{91240B29-F687-4f45-9708-019B960494DF}">
-                  <a14:hiddenLine xmlns:a14="http://schemas.microsoft.com/office/drawing/2010/main" xmlns="" w="9525">
+                  <a14:hiddenLine xmlns="" xmlns:a14="http://schemas.microsoft.com/office/drawing/2010/main" w="9525">
                     <a:solidFill>
                       <a:srgbClr val="000000"/>
                     </a:solidFill>
@@ -10151,7 +10159,7 @@
               </a:ln>
               <a:extLst>
                 <a:ext uri="{91240B29-F687-4f45-9708-019B960494DF}">
-                  <a14:hiddenLine xmlns:a14="http://schemas.microsoft.com/office/drawing/2010/main" xmlns="" w="9525">
+                  <a14:hiddenLine xmlns="" xmlns:a14="http://schemas.microsoft.com/office/drawing/2010/main" w="9525">
                     <a:solidFill>
                       <a:srgbClr val="000000"/>
                     </a:solidFill>
@@ -10185,7 +10193,7 @@
               </a:ln>
               <a:extLst>
                 <a:ext uri="{91240B29-F687-4f45-9708-019B960494DF}">
-                  <a14:hiddenLine xmlns:a14="http://schemas.microsoft.com/office/drawing/2010/main" xmlns="" w="9525">
+                  <a14:hiddenLine xmlns="" xmlns:a14="http://schemas.microsoft.com/office/drawing/2010/main" w="9525">
                     <a:solidFill>
                       <a:srgbClr val="000000"/>
                     </a:solidFill>
@@ -10250,7 +10258,7 @@
               </a:ln>
               <a:extLst>
                 <a:ext uri="{91240B29-F687-4f45-9708-019B960494DF}">
-                  <a14:hiddenLine xmlns:a14="http://schemas.microsoft.com/office/drawing/2010/main" xmlns="" w="9525">
+                  <a14:hiddenLine xmlns="" xmlns:a14="http://schemas.microsoft.com/office/drawing/2010/main" w="9525">
                     <a:solidFill>
                       <a:srgbClr val="000000"/>
                     </a:solidFill>
@@ -10340,7 +10348,7 @@
               </a:ln>
               <a:extLst>
                 <a:ext uri="{91240B29-F687-4f45-9708-019B960494DF}">
-                  <a14:hiddenLine xmlns:a14="http://schemas.microsoft.com/office/drawing/2010/main" xmlns="" w="9525">
+                  <a14:hiddenLine xmlns="" xmlns:a14="http://schemas.microsoft.com/office/drawing/2010/main" w="9525">
                     <a:solidFill>
                       <a:srgbClr val="000000"/>
                     </a:solidFill>
@@ -10402,7 +10410,7 @@
               </a:ln>
               <a:extLst>
                 <a:ext uri="{91240B29-F687-4f45-9708-019B960494DF}">
-                  <a14:hiddenLine xmlns:a14="http://schemas.microsoft.com/office/drawing/2010/main" xmlns="" w="9525">
+                  <a14:hiddenLine xmlns="" xmlns:a14="http://schemas.microsoft.com/office/drawing/2010/main" w="9525">
                     <a:solidFill>
                       <a:srgbClr val="000000"/>
                     </a:solidFill>
@@ -10492,7 +10500,7 @@
               </a:ln>
               <a:extLst>
                 <a:ext uri="{91240B29-F687-4f45-9708-019B960494DF}">
-                  <a14:hiddenLine xmlns:a14="http://schemas.microsoft.com/office/drawing/2010/main" xmlns="" w="9525">
+                  <a14:hiddenLine xmlns="" xmlns:a14="http://schemas.microsoft.com/office/drawing/2010/main" w="9525">
                     <a:solidFill>
                       <a:srgbClr val="000000"/>
                     </a:solidFill>
@@ -10557,7 +10565,7 @@
               </a:ln>
               <a:extLst>
                 <a:ext uri="{91240B29-F687-4f45-9708-019B960494DF}">
-                  <a14:hiddenLine xmlns:a14="http://schemas.microsoft.com/office/drawing/2010/main" xmlns="" w="9525">
+                  <a14:hiddenLine xmlns="" xmlns:a14="http://schemas.microsoft.com/office/drawing/2010/main" w="9525">
                     <a:solidFill>
                       <a:srgbClr val="000000"/>
                     </a:solidFill>
@@ -10619,7 +10627,7 @@
               </a:ln>
               <a:extLst>
                 <a:ext uri="{91240B29-F687-4f45-9708-019B960494DF}">
-                  <a14:hiddenLine xmlns:a14="http://schemas.microsoft.com/office/drawing/2010/main" xmlns="" w="9525">
+                  <a14:hiddenLine xmlns="" xmlns:a14="http://schemas.microsoft.com/office/drawing/2010/main" w="9525">
                     <a:solidFill>
                       <a:srgbClr val="000000"/>
                     </a:solidFill>
@@ -10709,7 +10717,7 @@
               </a:ln>
               <a:extLst>
                 <a:ext uri="{91240B29-F687-4f45-9708-019B960494DF}">
-                  <a14:hiddenLine xmlns:a14="http://schemas.microsoft.com/office/drawing/2010/main" xmlns="" w="9525">
+                  <a14:hiddenLine xmlns="" xmlns:a14="http://schemas.microsoft.com/office/drawing/2010/main" w="9525">
                     <a:solidFill>
                       <a:srgbClr val="000000"/>
                     </a:solidFill>
@@ -10799,7 +10807,7 @@
               </a:ln>
               <a:extLst>
                 <a:ext uri="{91240B29-F687-4f45-9708-019B960494DF}">
-                  <a14:hiddenLine xmlns:a14="http://schemas.microsoft.com/office/drawing/2010/main" xmlns="" w="9525">
+                  <a14:hiddenLine xmlns="" xmlns:a14="http://schemas.microsoft.com/office/drawing/2010/main" w="9525">
                     <a:solidFill>
                       <a:srgbClr val="000000"/>
                     </a:solidFill>
@@ -10864,7 +10872,7 @@
               </a:ln>
               <a:extLst>
                 <a:ext uri="{91240B29-F687-4f45-9708-019B960494DF}">
-                  <a14:hiddenLine xmlns:a14="http://schemas.microsoft.com/office/drawing/2010/main" xmlns="" w="9525">
+                  <a14:hiddenLine xmlns="" xmlns:a14="http://schemas.microsoft.com/office/drawing/2010/main" w="9525">
                     <a:solidFill>
                       <a:srgbClr val="000000"/>
                     </a:solidFill>
@@ -10984,7 +10992,7 @@
               </a:ln>
               <a:extLst>
                 <a:ext uri="{91240B29-F687-4f45-9708-019B960494DF}">
-                  <a14:hiddenLine xmlns:a14="http://schemas.microsoft.com/office/drawing/2010/main" xmlns="" w="9525">
+                  <a14:hiddenLine xmlns="" xmlns:a14="http://schemas.microsoft.com/office/drawing/2010/main" w="9525">
                     <a:solidFill>
                       <a:srgbClr val="000000"/>
                     </a:solidFill>
@@ -11082,7 +11090,7 @@
               </a:ln>
               <a:extLst>
                 <a:ext uri="{91240B29-F687-4f45-9708-019B960494DF}">
-                  <a14:hiddenLine xmlns:a14="http://schemas.microsoft.com/office/drawing/2010/main" xmlns="" w="9525">
+                  <a14:hiddenLine xmlns="" xmlns:a14="http://schemas.microsoft.com/office/drawing/2010/main" w="9525">
                     <a:solidFill>
                       <a:srgbClr val="000000"/>
                     </a:solidFill>
@@ -11197,7 +11205,7 @@
               </a:ln>
               <a:extLst>
                 <a:ext uri="{91240B29-F687-4f45-9708-019B960494DF}">
-                  <a14:hiddenLine xmlns:a14="http://schemas.microsoft.com/office/drawing/2010/main" xmlns="" w="9525">
+                  <a14:hiddenLine xmlns="" xmlns:a14="http://schemas.microsoft.com/office/drawing/2010/main" w="9525">
                     <a:solidFill>
                       <a:srgbClr val="000000"/>
                     </a:solidFill>
@@ -11287,7 +11295,7 @@
               </a:ln>
               <a:extLst>
                 <a:ext uri="{91240B29-F687-4f45-9708-019B960494DF}">
-                  <a14:hiddenLine xmlns:a14="http://schemas.microsoft.com/office/drawing/2010/main" xmlns="" w="9525">
+                  <a14:hiddenLine xmlns="" xmlns:a14="http://schemas.microsoft.com/office/drawing/2010/main" w="9525">
                     <a:solidFill>
                       <a:srgbClr val="000000"/>
                     </a:solidFill>
@@ -11352,7 +11360,7 @@
               </a:ln>
               <a:extLst>
                 <a:ext uri="{91240B29-F687-4f45-9708-019B960494DF}">
-                  <a14:hiddenLine xmlns:a14="http://schemas.microsoft.com/office/drawing/2010/main" xmlns="" w="9525">
+                  <a14:hiddenLine xmlns="" xmlns:a14="http://schemas.microsoft.com/office/drawing/2010/main" w="9525">
                     <a:solidFill>
                       <a:srgbClr val="000000"/>
                     </a:solidFill>
@@ -11442,7 +11450,7 @@
               </a:ln>
               <a:extLst>
                 <a:ext uri="{91240B29-F687-4f45-9708-019B960494DF}">
-                  <a14:hiddenLine xmlns:a14="http://schemas.microsoft.com/office/drawing/2010/main" xmlns="" w="9525">
+                  <a14:hiddenLine xmlns="" xmlns:a14="http://schemas.microsoft.com/office/drawing/2010/main" w="9525">
                     <a:solidFill>
                       <a:srgbClr val="000000"/>
                     </a:solidFill>
@@ -11510,7 +11518,7 @@
               </a:ln>
               <a:extLst>
                 <a:ext uri="{91240B29-F687-4f45-9708-019B960494DF}">
-                  <a14:hiddenLine xmlns:a14="http://schemas.microsoft.com/office/drawing/2010/main" xmlns="" w="9525">
+                  <a14:hiddenLine xmlns="" xmlns:a14="http://schemas.microsoft.com/office/drawing/2010/main" w="9525">
                     <a:solidFill>
                       <a:srgbClr val="000000"/>
                     </a:solidFill>
@@ -11600,7 +11608,7 @@
               </a:ln>
               <a:extLst>
                 <a:ext uri="{91240B29-F687-4f45-9708-019B960494DF}">
-                  <a14:hiddenLine xmlns:a14="http://schemas.microsoft.com/office/drawing/2010/main" xmlns="" w="9525">
+                  <a14:hiddenLine xmlns="" xmlns:a14="http://schemas.microsoft.com/office/drawing/2010/main" w="9525">
                     <a:solidFill>
                       <a:srgbClr val="000000"/>
                     </a:solidFill>
@@ -11668,7 +11676,7 @@
               </a:ln>
               <a:extLst>
                 <a:ext uri="{91240B29-F687-4f45-9708-019B960494DF}">
-                  <a14:hiddenLine xmlns:a14="http://schemas.microsoft.com/office/drawing/2010/main" xmlns="" w="9525">
+                  <a14:hiddenLine xmlns="" xmlns:a14="http://schemas.microsoft.com/office/drawing/2010/main" w="9525">
                     <a:solidFill>
                       <a:srgbClr val="000000"/>
                     </a:solidFill>
@@ -11758,7 +11766,7 @@
               </a:ln>
               <a:extLst>
                 <a:ext uri="{91240B29-F687-4f45-9708-019B960494DF}">
-                  <a14:hiddenLine xmlns:a14="http://schemas.microsoft.com/office/drawing/2010/main" xmlns="" w="9525">
+                  <a14:hiddenLine xmlns="" xmlns:a14="http://schemas.microsoft.com/office/drawing/2010/main" w="9525">
                     <a:solidFill>
                       <a:srgbClr val="000000"/>
                     </a:solidFill>
@@ -11792,7 +11800,7 @@
               </a:ln>
               <a:extLst>
                 <a:ext uri="{91240B29-F687-4f45-9708-019B960494DF}">
-                  <a14:hiddenLine xmlns:a14="http://schemas.microsoft.com/office/drawing/2010/main" xmlns="" w="9525">
+                  <a14:hiddenLine xmlns="" xmlns:a14="http://schemas.microsoft.com/office/drawing/2010/main" w="9525">
                     <a:solidFill>
                       <a:srgbClr val="000000"/>
                     </a:solidFill>
@@ -11933,7 +11941,7 @@
             <a:fld id="{48A87A34-81AB-432B-8DAE-1953F412C126}" type="datetimeFigureOut">
               <a:rPr lang="en-US" dirty="0"/>
               <a:pPr/>
-              <a:t>1/13/2015</a:t>
+              <a:t>1/18/2015</a:t>
             </a:fld>
             <a:endParaRPr lang="en-US" dirty="0"/>
           </a:p>
@@ -12412,6 +12420,81 @@
 </p:sld>
 </file>
 
+<file path=ppt/slides/slide10.xml><?xml version="1.0" encoding="utf-8"?>
+<p:sld xmlns:a="http://schemas.openxmlformats.org/drawingml/2006/main" xmlns:r="http://schemas.openxmlformats.org/officeDocument/2006/relationships" xmlns:p="http://schemas.openxmlformats.org/presentationml/2006/main">
+  <p:cSld>
+    <p:spTree>
+      <p:nvGrpSpPr>
+        <p:cNvPr id="1" name=""/>
+        <p:cNvGrpSpPr/>
+        <p:nvPr/>
+      </p:nvGrpSpPr>
+      <p:grpSpPr>
+        <a:xfrm>
+          <a:off x="0" y="0"/>
+          <a:ext cx="0" cy="0"/>
+          <a:chOff x="0" y="0"/>
+          <a:chExt cx="0" cy="0"/>
+        </a:xfrm>
+      </p:grpSpPr>
+      <p:sp>
+        <p:nvSpPr>
+          <p:cNvPr id="3" name="Rechthoek 2"/>
+          <p:cNvSpPr/>
+          <p:nvPr/>
+        </p:nvSpPr>
+        <p:spPr>
+          <a:xfrm>
+            <a:off x="1244225" y="425302"/>
+            <a:ext cx="9888279" cy="6007396"/>
+          </a:xfrm>
+          <a:prstGeom prst="rect">
+            <a:avLst/>
+          </a:prstGeom>
+        </p:spPr>
+        <p:style>
+          <a:lnRef idx="2">
+            <a:schemeClr val="dk1"/>
+          </a:lnRef>
+          <a:fillRef idx="1">
+            <a:schemeClr val="lt1"/>
+          </a:fillRef>
+          <a:effectRef idx="0">
+            <a:schemeClr val="dk1"/>
+          </a:effectRef>
+          <a:fontRef idx="minor">
+            <a:schemeClr val="dk1"/>
+          </a:fontRef>
+        </p:style>
+        <p:txBody>
+          <a:bodyPr rtlCol="0" anchor="ctr"/>
+          <a:lstStyle/>
+          <a:p>
+            <a:pPr algn="ctr"/>
+            <a:endParaRPr lang="nl-BE" dirty="0"/>
+          </a:p>
+        </p:txBody>
+      </p:sp>
+    </p:spTree>
+    <p:extLst>
+      <p:ext uri="{BB962C8B-B14F-4D97-AF65-F5344CB8AC3E}">
+        <p14:creationId xmlns:p14="http://schemas.microsoft.com/office/powerpoint/2010/main" val="1704635707"/>
+      </p:ext>
+    </p:extLst>
+  </p:cSld>
+  <p:clrMapOvr>
+    <a:masterClrMapping/>
+  </p:clrMapOvr>
+  <p:timing>
+    <p:tnLst>
+      <p:par>
+        <p:cTn id="1" dur="indefinite" restart="never" nodeType="tmRoot"/>
+      </p:par>
+    </p:tnLst>
+  </p:timing>
+</p:sld>
+</file>
+
 <file path=ppt/slides/slide2.xml><?xml version="1.0" encoding="utf-8"?>
 <p:sld xmlns:a="http://schemas.openxmlformats.org/drawingml/2006/main" xmlns:r="http://schemas.openxmlformats.org/officeDocument/2006/relationships" xmlns:p="http://schemas.openxmlformats.org/presentationml/2006/main">
   <p:cSld>
@@ -12650,13 +12733,43 @@
           <a:lstStyle/>
           <a:p>
             <a:r>
-              <a:rPr lang="nl-BE" sz="6600" dirty="0" err="1" smtClean="0"/>
+              <a:rPr lang="nl-BE" sz="5400" dirty="0" err="1" smtClean="0"/>
               <a:t>veligheidsafspraken</a:t>
             </a:r>
             <a:endParaRPr lang="nl-BE" dirty="0"/>
           </a:p>
         </p:txBody>
       </p:sp>
+      <p:pic>
+        <p:nvPicPr>
+          <p:cNvPr id="4" name="Afbeelding 3"/>
+          <p:cNvPicPr>
+            <a:picLocks noChangeAspect="1"/>
+          </p:cNvPicPr>
+          <p:nvPr/>
+        </p:nvPicPr>
+        <p:blipFill>
+          <a:blip r:embed="rId2">
+            <a:extLst>
+              <a:ext uri="{28A0092B-C50C-407E-A947-70E740481C1C}">
+                <a14:useLocalDpi xmlns:a14="http://schemas.microsoft.com/office/drawing/2010/main" val="0"/>
+              </a:ext>
+            </a:extLst>
+          </a:blip>
+          <a:stretch>
+            <a:fillRect/>
+          </a:stretch>
+        </p:blipFill>
+        <p:spPr>
+          <a:xfrm>
+            <a:off x="8392237" y="98409"/>
+            <a:ext cx="3690726" cy="2463560"/>
+          </a:xfrm>
+          <a:prstGeom prst="rect">
+            <a:avLst/>
+          </a:prstGeom>
+        </p:spPr>
+      </p:pic>
       <p:sp>
         <p:nvSpPr>
           <p:cNvPr id="3" name="Tijdelijke aanduiding voor inhoud 2"/>
@@ -12754,66 +12867,167 @@
           <a:chExt cx="0" cy="0"/>
         </a:xfrm>
       </p:grpSpPr>
-      <p:pic>
-        <p:nvPicPr>
-          <p:cNvPr id="3" name="Afbeelding 2"/>
-          <p:cNvPicPr>
-            <a:picLocks noChangeAspect="1"/>
-          </p:cNvPicPr>
+      <p:sp>
+        <p:nvSpPr>
+          <p:cNvPr id="2" name="Titel 1"/>
+          <p:cNvSpPr>
+            <a:spLocks noGrp="1"/>
+          </p:cNvSpPr>
+          <p:nvPr>
+            <p:ph type="title"/>
+          </p:nvPr>
+        </p:nvSpPr>
+        <p:spPr/>
+        <p:txBody>
+          <a:bodyPr/>
+          <a:lstStyle/>
+          <a:p>
+            <a:r>
+              <a:rPr lang="nl-BE" dirty="0" smtClean="0"/>
+              <a:t>Waarom </a:t>
+            </a:r>
+            <a:r>
+              <a:rPr lang="nl-BE" dirty="0" err="1" smtClean="0"/>
+              <a:t>arduino</a:t>
+            </a:r>
+            <a:r>
+              <a:rPr lang="nl-BE" dirty="0" smtClean="0"/>
+              <a:t> workshop?</a:t>
+            </a:r>
+            <a:endParaRPr lang="nl-BE" dirty="0"/>
+          </a:p>
+        </p:txBody>
+      </p:sp>
+      <p:sp>
+        <p:nvSpPr>
+          <p:cNvPr id="3" name="Tekstvak 2"/>
+          <p:cNvSpPr txBox="1"/>
           <p:nvPr/>
-        </p:nvPicPr>
-        <p:blipFill>
-          <a:blip r:embed="rId2">
-            <a:extLst>
-              <a:ext uri="{28A0092B-C50C-407E-A947-70E740481C1C}">
-                <a14:useLocalDpi xmlns:a14="http://schemas.microsoft.com/office/drawing/2010/main" val="0"/>
-              </a:ext>
-            </a:extLst>
-          </a:blip>
-          <a:stretch>
-            <a:fillRect/>
-          </a:stretch>
-        </p:blipFill>
+        </p:nvSpPr>
         <p:spPr>
           <a:xfrm>
-            <a:off x="1543158" y="88397"/>
-            <a:ext cx="8316098" cy="6496951"/>
+            <a:off x="1030486" y="1937857"/>
+            <a:ext cx="10444294" cy="3139321"/>
           </a:xfrm>
-          <a:prstGeom prst="roundRect">
-            <a:avLst>
-              <a:gd name="adj" fmla="val 8594"/>
-            </a:avLst>
+          <a:prstGeom prst="rect">
+            <a:avLst/>
           </a:prstGeom>
-          <a:solidFill>
-            <a:srgbClr val="FFFFFF">
-              <a:shade val="85000"/>
-            </a:srgbClr>
-          </a:solidFill>
-          <a:ln>
-            <a:noFill/>
-          </a:ln>
-          <a:effectLst>
-            <a:reflection blurRad="12700" stA="38000" endPos="28000" dist="5000" dir="5400000" sy="-100000" algn="bl" rotWithShape="0"/>
-          </a:effectLst>
+          <a:noFill/>
         </p:spPr>
-      </p:pic>
+        <p:txBody>
+          <a:bodyPr wrap="square" rtlCol="0">
+            <a:spAutoFit/>
+          </a:bodyPr>
+          <a:lstStyle/>
+          <a:p>
+            <a:r>
+              <a:rPr lang="en-US" sz="2000" dirty="0"/>
+              <a:t>It is an </a:t>
+            </a:r>
+            <a:r>
+              <a:rPr lang="en-US" sz="2000" b="1" dirty="0"/>
+              <a:t>open-source project</a:t>
+            </a:r>
+            <a:r>
+              <a:rPr lang="en-US" sz="2000" dirty="0"/>
+              <a:t>, software/hardware is extremely </a:t>
+            </a:r>
+            <a:r>
+              <a:rPr lang="en-US" sz="2000" b="1" dirty="0"/>
+              <a:t>accessible</a:t>
+            </a:r>
+            <a:r>
+              <a:rPr lang="en-US" sz="2000" dirty="0"/>
+              <a:t> and very flexible to be customized and extended</a:t>
+            </a:r>
+          </a:p>
+          <a:p>
+            <a:r>
+              <a:rPr lang="en-US" sz="2000" dirty="0"/>
+              <a:t>It is </a:t>
+            </a:r>
+            <a:r>
+              <a:rPr lang="en-US" sz="2000" b="1" dirty="0"/>
+              <a:t>flexible</a:t>
+            </a:r>
+            <a:r>
+              <a:rPr lang="en-US" sz="2000" dirty="0"/>
+              <a:t>, offers a variety of digital and analog inputs, </a:t>
+            </a:r>
+            <a:r>
+              <a:rPr lang="en-US" sz="2000" i="1" dirty="0"/>
+              <a:t>SPI</a:t>
+            </a:r>
+            <a:r>
+              <a:rPr lang="en-US" sz="2000" dirty="0"/>
+              <a:t> and serial interface and digital and </a:t>
+            </a:r>
+            <a:r>
+              <a:rPr lang="en-US" sz="2000" i="1" dirty="0"/>
+              <a:t>PWM</a:t>
+            </a:r>
+            <a:r>
+              <a:rPr lang="en-US" sz="2000" dirty="0"/>
+              <a:t> outputs</a:t>
+            </a:r>
+          </a:p>
+          <a:p>
+            <a:r>
+              <a:rPr lang="en-US" sz="2000" dirty="0"/>
+              <a:t>It is </a:t>
+            </a:r>
+            <a:r>
+              <a:rPr lang="en-US" sz="2000" b="1" dirty="0"/>
+              <a:t>easy to use</a:t>
+            </a:r>
+            <a:r>
+              <a:rPr lang="en-US" sz="2000" dirty="0"/>
+              <a:t>, connects to computer via USB and communicates using standard serial protocol, runs in standalone mode and as interface connected to PC/Macintosh computers</a:t>
+            </a:r>
+          </a:p>
+          <a:p>
+            <a:r>
+              <a:rPr lang="en-US" sz="2000" dirty="0"/>
+              <a:t>It is </a:t>
+            </a:r>
+            <a:r>
+              <a:rPr lang="en-US" sz="2000" b="1" dirty="0"/>
+              <a:t>inexpensive</a:t>
+            </a:r>
+            <a:r>
+              <a:rPr lang="en-US" sz="2000" dirty="0"/>
+              <a:t>, around 30 euro per board and comes with free authoring software</a:t>
+            </a:r>
+          </a:p>
+          <a:p>
+            <a:r>
+              <a:rPr lang="en-US" sz="2000" dirty="0"/>
+              <a:t>Arduino is backed up by a growing </a:t>
+            </a:r>
+            <a:r>
+              <a:rPr lang="en-US" sz="2000" b="1" dirty="0"/>
+              <a:t>online community</a:t>
+            </a:r>
+            <a:r>
+              <a:rPr lang="en-US" sz="2000" dirty="0"/>
+              <a:t>, lots of source code is already available and we can share and post our examples for others to use, too!</a:t>
+            </a:r>
+          </a:p>
+          <a:p>
+            <a:endParaRPr lang="nl-BE" dirty="0"/>
+          </a:p>
+        </p:txBody>
+      </p:sp>
     </p:spTree>
     <p:extLst>
       <p:ext uri="{BB962C8B-B14F-4D97-AF65-F5344CB8AC3E}">
-        <p14:creationId xmlns:p14="http://schemas.microsoft.com/office/powerpoint/2010/main" val="1777750391"/>
+        <p14:creationId xmlns:p14="http://schemas.microsoft.com/office/powerpoint/2010/main" val="1047547277"/>
       </p:ext>
     </p:extLst>
   </p:cSld>
   <p:clrMapOvr>
     <a:masterClrMapping/>
   </p:clrMapOvr>
-  <p:timing>
-    <p:tnLst>
-      <p:par>
-        <p:cTn id="1" dur="indefinite" restart="never" nodeType="tmRoot"/>
-      </p:par>
-    </p:tnLst>
-  </p:timing>
 </p:sld>
 </file>
 
@@ -12836,66 +13050,88 @@
       </p:grpSpPr>
       <p:sp>
         <p:nvSpPr>
-          <p:cNvPr id="3" name="Rechthoek 2"/>
-          <p:cNvSpPr/>
-          <p:nvPr/>
+          <p:cNvPr id="2" name="Titel 1"/>
+          <p:cNvSpPr>
+            <a:spLocks noGrp="1"/>
+          </p:cNvSpPr>
+          <p:nvPr>
+            <p:ph type="title"/>
+          </p:nvPr>
         </p:nvSpPr>
         <p:spPr>
           <a:xfrm>
-            <a:off x="925033" y="350874"/>
-            <a:ext cx="9888279" cy="6007396"/>
+            <a:off x="2632462" y="2307274"/>
+            <a:ext cx="9905998" cy="1478570"/>
           </a:xfrm>
-          <a:prstGeom prst="rect">
-            <a:avLst/>
-          </a:prstGeom>
         </p:spPr>
-        <p:style>
-          <a:lnRef idx="2">
-            <a:schemeClr val="dk1"/>
-          </a:lnRef>
-          <a:fillRef idx="1">
-            <a:schemeClr val="lt1"/>
-          </a:fillRef>
-          <a:effectRef idx="0">
-            <a:schemeClr val="dk1"/>
-          </a:effectRef>
-          <a:fontRef idx="minor">
-            <a:schemeClr val="dk1"/>
-          </a:fontRef>
-        </p:style>
         <p:txBody>
-          <a:bodyPr rtlCol="0" anchor="ctr"/>
+          <a:bodyPr/>
           <a:lstStyle/>
           <a:p>
-            <a:pPr algn="ctr"/>
-            <a:endParaRPr lang="nl-BE"/>
+            <a:r>
+              <a:rPr lang="nl-BE" dirty="0" smtClean="0"/>
+              <a:t>Waarom geen </a:t>
+            </a:r>
+            <a:r>
+              <a:rPr lang="nl-BE" dirty="0" err="1" smtClean="0"/>
+              <a:t>raspberry</a:t>
+            </a:r>
+            <a:r>
+              <a:rPr lang="nl-BE" dirty="0" smtClean="0"/>
+              <a:t> pi?</a:t>
+            </a:r>
+            <a:endParaRPr lang="nl-BE" dirty="0"/>
           </a:p>
         </p:txBody>
       </p:sp>
+    </p:spTree>
+    <p:extLst>
+      <p:ext uri="{BB962C8B-B14F-4D97-AF65-F5344CB8AC3E}">
+        <p14:creationId xmlns:p14="http://schemas.microsoft.com/office/powerpoint/2010/main" val="4084166220"/>
+      </p:ext>
+    </p:extLst>
+  </p:cSld>
+  <p:clrMapOvr>
+    <a:masterClrMapping/>
+  </p:clrMapOvr>
+</p:sld>
+</file>
+
+<file path=ppt/slides/slide8.xml><?xml version="1.0" encoding="utf-8"?>
+<p:sld xmlns:a="http://schemas.openxmlformats.org/drawingml/2006/main" xmlns:r="http://schemas.openxmlformats.org/officeDocument/2006/relationships" xmlns:p="http://schemas.openxmlformats.org/presentationml/2006/main">
+  <p:cSld>
+    <p:spTree>
+      <p:nvGrpSpPr>
+        <p:cNvPr id="1" name=""/>
+        <p:cNvGrpSpPr/>
+        <p:nvPr/>
+      </p:nvGrpSpPr>
+      <p:grpSpPr>
+        <a:xfrm>
+          <a:off x="0" y="0"/>
+          <a:ext cx="0" cy="0"/>
+          <a:chOff x="0" y="0"/>
+          <a:chExt cx="0" cy="0"/>
+        </a:xfrm>
+      </p:grpSpPr>
       <p:pic>
         <p:nvPicPr>
-          <p:cNvPr id="4" name="Afbeelding 3"/>
+          <p:cNvPr id="6" name="Afbeelding 5"/>
           <p:cNvPicPr>
             <a:picLocks noChangeAspect="1"/>
           </p:cNvPicPr>
           <p:nvPr/>
         </p:nvPicPr>
         <p:blipFill>
-          <a:blip r:embed="rId2">
-            <a:extLst>
-              <a:ext uri="{28A0092B-C50C-407E-A947-70E740481C1C}">
-                <a14:useLocalDpi xmlns:a14="http://schemas.microsoft.com/office/drawing/2010/main" val="0"/>
-              </a:ext>
-            </a:extLst>
-          </a:blip>
+          <a:blip r:embed="rId2"/>
           <a:stretch>
             <a:fillRect/>
           </a:stretch>
         </p:blipFill>
         <p:spPr>
           <a:xfrm>
-            <a:off x="2009553" y="2840444"/>
-            <a:ext cx="1283438" cy="1283438"/>
+            <a:off x="1842869" y="2435068"/>
+            <a:ext cx="7633051" cy="3454200"/>
           </a:xfrm>
           <a:prstGeom prst="rect">
             <a:avLst/>
@@ -12904,7 +13140,7 @@
       </p:pic>
       <p:pic>
         <p:nvPicPr>
-          <p:cNvPr id="5" name="Afbeelding 4"/>
+          <p:cNvPr id="7" name="Afbeelding 6"/>
           <p:cNvPicPr>
             <a:picLocks noChangeAspect="1"/>
           </p:cNvPicPr>
@@ -12924,66 +13160,8 @@
         </p:blipFill>
         <p:spPr>
           <a:xfrm>
-            <a:off x="4104168" y="1024584"/>
-            <a:ext cx="1191621" cy="1376602"/>
-          </a:xfrm>
-          <a:prstGeom prst="rect">
-            <a:avLst/>
-          </a:prstGeom>
-        </p:spPr>
-      </p:pic>
-      <p:pic>
-        <p:nvPicPr>
-          <p:cNvPr id="6" name="Afbeelding 5"/>
-          <p:cNvPicPr>
-            <a:picLocks noChangeAspect="1"/>
-          </p:cNvPicPr>
-          <p:nvPr/>
-        </p:nvPicPr>
-        <p:blipFill rotWithShape="1">
-          <a:blip r:embed="rId4">
-            <a:extLst>
-              <a:ext uri="{28A0092B-C50C-407E-A947-70E740481C1C}">
-                <a14:useLocalDpi xmlns:a14="http://schemas.microsoft.com/office/drawing/2010/main" val="0"/>
-              </a:ext>
-            </a:extLst>
-          </a:blip>
-          <a:srcRect/>
-          <a:stretch/>
-        </p:blipFill>
-        <p:spPr>
-          <a:xfrm>
-            <a:off x="2851740" y="519537"/>
-            <a:ext cx="882502" cy="1010093"/>
-          </a:xfrm>
-          <a:prstGeom prst="rect">
-            <a:avLst/>
-          </a:prstGeom>
-        </p:spPr>
-      </p:pic>
-      <p:pic>
-        <p:nvPicPr>
-          <p:cNvPr id="7" name="Afbeelding 6"/>
-          <p:cNvPicPr>
-            <a:picLocks noChangeAspect="1"/>
-          </p:cNvPicPr>
-          <p:nvPr/>
-        </p:nvPicPr>
-        <p:blipFill rotWithShape="1">
-          <a:blip r:embed="rId4">
-            <a:extLst>
-              <a:ext uri="{28A0092B-C50C-407E-A947-70E740481C1C}">
-                <a14:useLocalDpi xmlns:a14="http://schemas.microsoft.com/office/drawing/2010/main" val="0"/>
-              </a:ext>
-            </a:extLst>
-          </a:blip>
-          <a:srcRect/>
-          <a:stretch/>
-        </p:blipFill>
-        <p:spPr>
-          <a:xfrm>
-            <a:off x="5660949" y="519537"/>
-            <a:ext cx="882502" cy="1010093"/>
+            <a:off x="3723501" y="626075"/>
+            <a:ext cx="5488807" cy="1639330"/>
           </a:xfrm>
           <a:prstGeom prst="rect">
             <a:avLst/>
@@ -12993,20 +13171,178 @@
     </p:spTree>
     <p:extLst>
       <p:ext uri="{BB962C8B-B14F-4D97-AF65-F5344CB8AC3E}">
-        <p14:creationId xmlns:p14="http://schemas.microsoft.com/office/powerpoint/2010/main" val="1704635707"/>
+        <p14:creationId xmlns:p14="http://schemas.microsoft.com/office/powerpoint/2010/main" val="4217721944"/>
       </p:ext>
     </p:extLst>
   </p:cSld>
   <p:clrMapOvr>
     <a:masterClrMapping/>
   </p:clrMapOvr>
-  <p:timing>
-    <p:tnLst>
-      <p:par>
-        <p:cTn id="1" dur="indefinite" restart="never" nodeType="tmRoot"/>
-      </p:par>
-    </p:tnLst>
-  </p:timing>
+</p:sld>
+</file>
+
+<file path=ppt/slides/slide9.xml><?xml version="1.0" encoding="utf-8"?>
+<p:sld xmlns:a="http://schemas.openxmlformats.org/drawingml/2006/main" xmlns:r="http://schemas.openxmlformats.org/officeDocument/2006/relationships" xmlns:p="http://schemas.openxmlformats.org/presentationml/2006/main">
+  <p:cSld>
+    <p:spTree>
+      <p:nvGrpSpPr>
+        <p:cNvPr id="1" name=""/>
+        <p:cNvGrpSpPr/>
+        <p:nvPr/>
+      </p:nvGrpSpPr>
+      <p:grpSpPr>
+        <a:xfrm>
+          <a:off x="0" y="0"/>
+          <a:ext cx="0" cy="0"/>
+          <a:chOff x="0" y="0"/>
+          <a:chExt cx="0" cy="0"/>
+        </a:xfrm>
+      </p:grpSpPr>
+      <p:sp>
+        <p:nvSpPr>
+          <p:cNvPr id="2" name="Titel 1"/>
+          <p:cNvSpPr>
+            <a:spLocks noGrp="1"/>
+          </p:cNvSpPr>
+          <p:nvPr>
+            <p:ph type="title"/>
+          </p:nvPr>
+        </p:nvSpPr>
+        <p:spPr/>
+        <p:txBody>
+          <a:bodyPr/>
+          <a:lstStyle/>
+          <a:p>
+            <a:r>
+              <a:rPr lang="nl-BE" dirty="0" smtClean="0"/>
+              <a:t>Dus </a:t>
+            </a:r>
+            <a:r>
+              <a:rPr lang="nl-BE" dirty="0" err="1" smtClean="0"/>
+              <a:t>electronica</a:t>
+            </a:r>
+            <a:endParaRPr lang="nl-BE" dirty="0"/>
+          </a:p>
+        </p:txBody>
+      </p:sp>
+      <p:sp>
+        <p:nvSpPr>
+          <p:cNvPr id="3" name="Tekstvak 2"/>
+          <p:cNvSpPr txBox="1"/>
+          <p:nvPr/>
+        </p:nvSpPr>
+        <p:spPr>
+          <a:xfrm>
+            <a:off x="1177972" y="1919415"/>
+            <a:ext cx="9832880" cy="3170099"/>
+          </a:xfrm>
+          <a:prstGeom prst="rect">
+            <a:avLst/>
+          </a:prstGeom>
+          <a:noFill/>
+        </p:spPr>
+        <p:txBody>
+          <a:bodyPr wrap="square" rtlCol="0">
+            <a:spAutoFit/>
+          </a:bodyPr>
+          <a:lstStyle/>
+          <a:p>
+            <a:r>
+              <a:rPr lang="nl-BE" sz="4000" b="1" dirty="0"/>
+              <a:t>Elektronica</a:t>
+            </a:r>
+            <a:r>
+              <a:rPr lang="nl-BE" sz="4000" dirty="0"/>
+              <a:t> is de tak van </a:t>
+            </a:r>
+            <a:r>
+              <a:rPr lang="nl-BE" sz="4000" dirty="0">
+                <a:hlinkClick r:id="rId2" tooltip="Elektrotechniek"/>
+              </a:rPr>
+              <a:t>elektrotechniek</a:t>
+            </a:r>
+            <a:r>
+              <a:rPr lang="nl-BE" sz="4000" dirty="0"/>
+              <a:t> die zich bezighoudt met het gedrag van </a:t>
+            </a:r>
+            <a:r>
+              <a:rPr lang="nl-BE" sz="4000" dirty="0">
+                <a:hlinkClick r:id="rId3" tooltip="Elektron"/>
+              </a:rPr>
+              <a:t>elektronen</a:t>
+            </a:r>
+            <a:r>
+              <a:rPr lang="nl-BE" sz="4000" dirty="0"/>
+              <a:t> in </a:t>
+            </a:r>
+            <a:r>
+              <a:rPr lang="nl-BE" sz="4000" i="1" dirty="0"/>
+              <a:t>actieve </a:t>
+            </a:r>
+            <a:r>
+              <a:rPr lang="nl-BE" sz="4000" i="1" dirty="0" smtClean="0"/>
+              <a:t>componenten </a:t>
+            </a:r>
+            <a:r>
+              <a:rPr lang="nl-BE" sz="4000" dirty="0" smtClean="0"/>
+              <a:t>zoals</a:t>
+            </a:r>
+            <a:r>
+              <a:rPr lang="nl-BE" sz="4000" dirty="0"/>
+              <a:t> </a:t>
+            </a:r>
+            <a:r>
+              <a:rPr lang="nl-BE" sz="4000" dirty="0">
+                <a:hlinkClick r:id="rId4" tooltip="Elektronenbuis"/>
+              </a:rPr>
+              <a:t>elektronenbuizen</a:t>
+            </a:r>
+            <a:r>
+              <a:rPr lang="nl-BE" sz="4000" dirty="0"/>
+              <a:t> en </a:t>
+            </a:r>
+            <a:r>
+              <a:rPr lang="nl-BE" sz="4000" dirty="0">
+                <a:hlinkClick r:id="rId5" tooltip="Transistor"/>
+              </a:rPr>
+              <a:t>transistors</a:t>
+            </a:r>
+            <a:r>
+              <a:rPr lang="nl-BE" sz="4000" dirty="0"/>
+              <a:t> of in </a:t>
+            </a:r>
+            <a:r>
+              <a:rPr lang="nl-BE" sz="4000" i="1" dirty="0"/>
+              <a:t>niet-lineaire componenten</a:t>
+            </a:r>
+            <a:r>
+              <a:rPr lang="nl-BE" sz="4000" dirty="0"/>
+              <a:t> zoals bijvoorbeeld </a:t>
+            </a:r>
+            <a:r>
+              <a:rPr lang="nl-BE" sz="4000" dirty="0">
+                <a:hlinkClick r:id="rId6" tooltip="Diode"/>
+              </a:rPr>
+              <a:t>diodes</a:t>
+            </a:r>
+            <a:r>
+              <a:rPr lang="nl-BE" sz="4000" dirty="0"/>
+              <a:t>.</a:t>
+            </a:r>
+            <a:endParaRPr lang="nl-BE" sz="4000" dirty="0"/>
+          </a:p>
+        </p:txBody>
+      </p:sp>
+    </p:spTree>
+    <p:extLst>
+      <p:ext uri="{BB962C8B-B14F-4D97-AF65-F5344CB8AC3E}">
+        <p14:creationId xmlns:p14="http://schemas.microsoft.com/office/powerpoint/2010/main" val="1943606587"/>
+      </p:ext>
+    </p:extLst>
+  </p:cSld>
+  <p:clrMapOvr>
+    <a:masterClrMapping/>
+  </p:clrMapOvr>
 </p:sld>
 </file>
 
